--- a/sketches/workshop/SoftwareTesting.pptx
+++ b/sketches/workshop/SoftwareTesting.pptx
@@ -5,10 +5,10 @@
     <p:sldMasterId id="2147483648" r:id="rId1"/>
   </p:sldMasterIdLst>
   <p:notesMasterIdLst>
-    <p:notesMasterId r:id="rId36"/>
+    <p:notesMasterId r:id="rId38"/>
   </p:notesMasterIdLst>
   <p:handoutMasterIdLst>
-    <p:handoutMasterId r:id="rId37"/>
+    <p:handoutMasterId r:id="rId39"/>
   </p:handoutMasterIdLst>
   <p:sldIdLst>
     <p:sldId id="257" r:id="rId2"/>
@@ -34,17 +34,19 @@
     <p:sldId id="423" r:id="rId22"/>
     <p:sldId id="424" r:id="rId23"/>
     <p:sldId id="422" r:id="rId24"/>
-    <p:sldId id="407" r:id="rId25"/>
-    <p:sldId id="408" r:id="rId26"/>
-    <p:sldId id="409" r:id="rId27"/>
-    <p:sldId id="425" r:id="rId28"/>
-    <p:sldId id="426" r:id="rId29"/>
-    <p:sldId id="427" r:id="rId30"/>
-    <p:sldId id="429" r:id="rId31"/>
-    <p:sldId id="430" r:id="rId32"/>
-    <p:sldId id="431" r:id="rId33"/>
-    <p:sldId id="428" r:id="rId34"/>
-    <p:sldId id="260" r:id="rId35"/>
+    <p:sldId id="432" r:id="rId25"/>
+    <p:sldId id="407" r:id="rId26"/>
+    <p:sldId id="408" r:id="rId27"/>
+    <p:sldId id="409" r:id="rId28"/>
+    <p:sldId id="425" r:id="rId29"/>
+    <p:sldId id="433" r:id="rId30"/>
+    <p:sldId id="426" r:id="rId31"/>
+    <p:sldId id="427" r:id="rId32"/>
+    <p:sldId id="429" r:id="rId33"/>
+    <p:sldId id="430" r:id="rId34"/>
+    <p:sldId id="431" r:id="rId35"/>
+    <p:sldId id="428" r:id="rId36"/>
+    <p:sldId id="260" r:id="rId37"/>
   </p:sldIdLst>
   <p:sldSz cx="12192000" cy="6858000"/>
   <p:notesSz cx="7099300" cy="10234613"/>
@@ -145,10 +147,10 @@
   </p:defaultTextStyle>
   <p:extLst>
     <p:ext uri="{EFAFB233-063F-42B5-8137-9DF3F51BA10A}">
-      <p15:sldGuideLst xmlns="" xmlns:p15="http://schemas.microsoft.com/office/powerpoint/2012/main"/>
+      <p15:sldGuideLst xmlns:p15="http://schemas.microsoft.com/office/powerpoint/2012/main" xmlns=""/>
     </p:ext>
     <p:ext uri="{2D200454-40CA-4A62-9FC3-DE9A4176ACB9}">
-      <p15:notesGuideLst xmlns="" xmlns:p15="http://schemas.microsoft.com/office/powerpoint/2012/main"/>
+      <p15:notesGuideLst xmlns:p15="http://schemas.microsoft.com/office/powerpoint/2012/main" xmlns=""/>
     </p:ext>
   </p:extLst>
 </p:presentation>
@@ -236,7 +238,7 @@
           <a:p>
             <a:fld id="{3210969C-BE93-4BED-81E5-E22BCD571348}" type="datetimeFigureOut">
               <a:rPr lang="de-DE" smtClean="0"/>
-              <a:t>01.03.2015</a:t>
+              <a:t>03.03.2015</a:t>
             </a:fld>
             <a:endParaRPr lang="de-DE"/>
           </a:p>
@@ -401,7 +403,7 @@
           <a:p>
             <a:fld id="{6AF30475-D447-4086-A172-E5D2E3A015F3}" type="datetimeFigureOut">
               <a:rPr lang="de-DE" smtClean="0"/>
-              <a:t>01.03.2015</a:t>
+              <a:t>03.03.2015</a:t>
             </a:fld>
             <a:endParaRPr lang="de-DE"/>
           </a:p>
@@ -991,7 +993,36 @@
           <a:p>
             <a:r>
               <a:rPr lang="de-DE" dirty="0" smtClean="0"/>
-              <a:t>Ausnahme: Controls</a:t>
+              <a:t>Ausnahme: </a:t>
+            </a:r>
+            <a:r>
+              <a:rPr lang="de-DE" dirty="0" smtClean="0"/>
+              <a:t>Controls</a:t>
+            </a:r>
+          </a:p>
+          <a:p>
+            <a:endParaRPr lang="en-US" baseline="0" dirty="0" smtClean="0"/>
+          </a:p>
+          <a:p>
+            <a:r>
+              <a:rPr lang="en-US" baseline="0" dirty="0" err="1" smtClean="0"/>
+              <a:t>Statt</a:t>
+            </a:r>
+            <a:r>
+              <a:rPr lang="en-US" baseline="0" dirty="0" smtClean="0"/>
+              <a:t> </a:t>
+            </a:r>
+            <a:r>
+              <a:rPr lang="en-US" baseline="0" dirty="0" err="1" smtClean="0"/>
+              <a:t>DbConversation</a:t>
+            </a:r>
+            <a:r>
+              <a:rPr lang="en-US" baseline="0" dirty="0" smtClean="0"/>
+              <a:t> </a:t>
+            </a:r>
+            <a:r>
+              <a:rPr lang="en-US" baseline="0" dirty="0" err="1" smtClean="0"/>
+              <a:t>UnitOfWork</a:t>
             </a:r>
             <a:endParaRPr lang="de-DE" baseline="0" dirty="0" smtClean="0"/>
           </a:p>
@@ -1166,11 +1197,7 @@
             </a:r>
             <a:r>
               <a:rPr lang="de-DE" baseline="0" dirty="0" smtClean="0"/>
-              <a:t> </a:t>
-            </a:r>
-            <a:r>
-              <a:rPr lang="de-DE" baseline="0" dirty="0" smtClean="0"/>
-              <a:t>einzige </a:t>
+              <a:t> einzige </a:t>
             </a:r>
             <a:r>
               <a:rPr lang="de-DE" baseline="0" dirty="0" err="1" smtClean="0"/>
@@ -1504,7 +1531,6 @@
               <a:rPr lang="de-DE" baseline="0" dirty="0" smtClean="0"/>
               <a:t> </a:t>
             </a:r>
-            <a:endParaRPr lang="de-DE" baseline="0" dirty="0" smtClean="0"/>
           </a:p>
         </p:txBody>
       </p:sp>
@@ -1592,7 +1618,6 @@
               <a:rPr lang="de-DE" baseline="0" dirty="0" smtClean="0"/>
               <a:t>Müssen weiterhin manuell getestet werden</a:t>
             </a:r>
-            <a:endParaRPr lang="de-DE" baseline="0" dirty="0" smtClean="0"/>
           </a:p>
         </p:txBody>
       </p:sp>
@@ -1760,46 +1785,6 @@
           <a:bodyPr/>
           <a:lstStyle/>
           <a:p>
-            <a:pPr marL="0" marR="0" indent="0" algn="l" defTabSz="914400" rtl="0" eaLnBrk="1" fontAlgn="auto" latinLnBrk="0" hangingPunct="1">
-              <a:lnSpc>
-                <a:spcPct val="100000"/>
-              </a:lnSpc>
-              <a:spcBef>
-                <a:spcPts val="0"/>
-              </a:spcBef>
-              <a:spcAft>
-                <a:spcPts val="0"/>
-              </a:spcAft>
-              <a:buClrTx/>
-              <a:buSzTx/>
-              <a:buFontTx/>
-              <a:buNone/>
-              <a:tabLst/>
-              <a:defRPr/>
-            </a:pPr>
-            <a:r>
-              <a:rPr lang="de-DE" dirty="0" smtClean="0"/>
-              <a:t>Oder auch </a:t>
-            </a:r>
-            <a:r>
-              <a:rPr lang="de-DE" dirty="0" err="1" smtClean="0"/>
-              <a:t>Dependency</a:t>
-            </a:r>
-            <a:r>
-              <a:rPr lang="de-DE" baseline="0" dirty="0" smtClean="0"/>
-              <a:t> </a:t>
-            </a:r>
-            <a:r>
-              <a:rPr lang="de-DE" baseline="0" dirty="0" err="1" smtClean="0"/>
-              <a:t>Injection</a:t>
-            </a:r>
-            <a:r>
-              <a:rPr lang="de-DE" baseline="0" dirty="0" smtClean="0"/>
-              <a:t> Container</a:t>
-            </a:r>
-            <a:endParaRPr lang="de-DE" dirty="0" smtClean="0"/>
-          </a:p>
-          <a:p>
             <a:endParaRPr lang="de-DE" baseline="0" dirty="0" smtClean="0"/>
           </a:p>
         </p:txBody>
@@ -1884,6 +1869,46 @@
           <a:bodyPr/>
           <a:lstStyle/>
           <a:p>
+            <a:pPr marL="0" marR="0" indent="0" algn="l" defTabSz="914400" rtl="0" eaLnBrk="1" fontAlgn="auto" latinLnBrk="0" hangingPunct="1">
+              <a:lnSpc>
+                <a:spcPct val="100000"/>
+              </a:lnSpc>
+              <a:spcBef>
+                <a:spcPts val="0"/>
+              </a:spcBef>
+              <a:spcAft>
+                <a:spcPts val="0"/>
+              </a:spcAft>
+              <a:buClrTx/>
+              <a:buSzTx/>
+              <a:buFontTx/>
+              <a:buNone/>
+              <a:tabLst/>
+              <a:defRPr/>
+            </a:pPr>
+            <a:r>
+              <a:rPr lang="de-DE" dirty="0" smtClean="0"/>
+              <a:t>Oder auch </a:t>
+            </a:r>
+            <a:r>
+              <a:rPr lang="de-DE" dirty="0" err="1" smtClean="0"/>
+              <a:t>Dependency</a:t>
+            </a:r>
+            <a:r>
+              <a:rPr lang="de-DE" baseline="0" dirty="0" smtClean="0"/>
+              <a:t> </a:t>
+            </a:r>
+            <a:r>
+              <a:rPr lang="de-DE" baseline="0" dirty="0" err="1" smtClean="0"/>
+              <a:t>Injection</a:t>
+            </a:r>
+            <a:r>
+              <a:rPr lang="de-DE" baseline="0" dirty="0" smtClean="0"/>
+              <a:t> Container</a:t>
+            </a:r>
+            <a:endParaRPr lang="de-DE" dirty="0" smtClean="0"/>
+          </a:p>
+          <a:p>
             <a:endParaRPr lang="de-DE" baseline="0" dirty="0" smtClean="0"/>
           </a:p>
         </p:txBody>
@@ -2158,19 +2183,49 @@
           <a:p>
             <a:r>
               <a:rPr lang="de-DE" baseline="0" dirty="0" smtClean="0"/>
-              <a:t>Durch </a:t>
+              <a:t>Typen registrieren</a:t>
+            </a:r>
+          </a:p>
+          <a:p>
+            <a:r>
+              <a:rPr lang="de-DE" baseline="0" dirty="0" smtClean="0"/>
+              <a:t>Automatische Registrierung per </a:t>
             </a:r>
             <a:r>
               <a:rPr lang="de-DE" baseline="0" dirty="0" err="1" smtClean="0"/>
-              <a:t>IEventAggregator</a:t>
+              <a:t>Assembly</a:t>
             </a:r>
             <a:r>
               <a:rPr lang="de-DE" baseline="0" dirty="0" smtClean="0"/>
-              <a:t> oder </a:t>
-            </a:r>
+              <a:t> Load</a:t>
+            </a:r>
+          </a:p>
+          <a:p>
             <a:r>
               <a:rPr lang="de-DE" baseline="0" dirty="0" err="1" smtClean="0"/>
-              <a:t>IDbConversation</a:t>
+              <a:t>If</a:t>
+            </a:r>
+            <a:r>
+              <a:rPr lang="de-DE" baseline="0" dirty="0" smtClean="0"/>
+              <a:t> </a:t>
+            </a:r>
+            <a:r>
+              <a:rPr lang="de-DE" baseline="0" dirty="0" err="1" smtClean="0"/>
+              <a:t>Then</a:t>
+            </a:r>
+            <a:r>
+              <a:rPr lang="de-DE" baseline="0" dirty="0" smtClean="0"/>
+              <a:t> Konstrukte</a:t>
+            </a:r>
+          </a:p>
+          <a:p>
+            <a:r>
+              <a:rPr lang="de-DE" baseline="0" dirty="0" smtClean="0"/>
+              <a:t>Parameter </a:t>
+            </a:r>
+            <a:r>
+              <a:rPr lang="de-DE" baseline="0" dirty="0" err="1" smtClean="0"/>
+              <a:t>Injection</a:t>
             </a:r>
             <a:endParaRPr lang="de-DE" baseline="0" dirty="0" smtClean="0"/>
           </a:p>
@@ -2256,7 +2311,23 @@
           <a:bodyPr/>
           <a:lstStyle/>
           <a:p>
-            <a:endParaRPr lang="de-DE" dirty="0"/>
+            <a:r>
+              <a:rPr lang="de-DE" baseline="0" dirty="0" smtClean="0"/>
+              <a:t>Durch </a:t>
+            </a:r>
+            <a:r>
+              <a:rPr lang="de-DE" baseline="0" dirty="0" err="1" smtClean="0"/>
+              <a:t>IEventAggregator</a:t>
+            </a:r>
+            <a:r>
+              <a:rPr lang="de-DE" baseline="0" dirty="0" smtClean="0"/>
+              <a:t> oder </a:t>
+            </a:r>
+            <a:r>
+              <a:rPr lang="de-DE" baseline="0" dirty="0" err="1" smtClean="0"/>
+              <a:t>IDbConversation</a:t>
+            </a:r>
+            <a:endParaRPr lang="de-DE" baseline="0" dirty="0" smtClean="0"/>
           </a:p>
         </p:txBody>
       </p:sp>
@@ -2286,7 +2357,7 @@
     </p:spTree>
     <p:extLst>
       <p:ext uri="{BB962C8B-B14F-4D97-AF65-F5344CB8AC3E}">
-        <p14:creationId xmlns:p14="http://schemas.microsoft.com/office/powerpoint/2010/main" val="1498148886"/>
+        <p14:creationId xmlns:p14="http://schemas.microsoft.com/office/powerpoint/2010/main" val="974465744"/>
       </p:ext>
     </p:extLst>
   </p:cSld>
@@ -2340,6 +2411,22 @@
           <a:bodyPr/>
           <a:lstStyle/>
           <a:p>
+            <a:r>
+              <a:rPr lang="de-DE" baseline="0" dirty="0" smtClean="0"/>
+              <a:t>Durch </a:t>
+            </a:r>
+            <a:r>
+              <a:rPr lang="de-DE" baseline="0" dirty="0" err="1" smtClean="0"/>
+              <a:t>IEventAggregator</a:t>
+            </a:r>
+            <a:r>
+              <a:rPr lang="de-DE" baseline="0" dirty="0" smtClean="0"/>
+              <a:t> oder </a:t>
+            </a:r>
+            <a:r>
+              <a:rPr lang="de-DE" baseline="0" dirty="0" err="1" smtClean="0"/>
+              <a:t>IDbConversation</a:t>
+            </a:r>
             <a:endParaRPr lang="de-DE" baseline="0" dirty="0" smtClean="0"/>
           </a:p>
         </p:txBody>
@@ -2424,7 +2511,7 @@
           <a:bodyPr/>
           <a:lstStyle/>
           <a:p>
-            <a:endParaRPr lang="de-DE" baseline="0" dirty="0" smtClean="0"/>
+            <a:endParaRPr lang="de-DE" dirty="0"/>
           </a:p>
         </p:txBody>
       </p:sp>
@@ -2454,7 +2541,7 @@
     </p:spTree>
     <p:extLst>
       <p:ext uri="{BB962C8B-B14F-4D97-AF65-F5344CB8AC3E}">
-        <p14:creationId xmlns:p14="http://schemas.microsoft.com/office/powerpoint/2010/main" val="974465744"/>
+        <p14:creationId xmlns:p14="http://schemas.microsoft.com/office/powerpoint/2010/main" val="1498148886"/>
       </p:ext>
     </p:extLst>
   </p:cSld>
@@ -2676,7 +2763,7 @@
           <a:bodyPr/>
           <a:lstStyle/>
           <a:p>
-            <a:endParaRPr lang="de-DE" dirty="0"/>
+            <a:endParaRPr lang="de-DE" baseline="0" dirty="0" smtClean="0"/>
           </a:p>
         </p:txBody>
       </p:sp>
@@ -2698,6 +2785,174 @@
             <a:fld id="{1E244666-3206-44F5-9D23-B12C7137FB66}" type="slidenum">
               <a:rPr lang="de-DE" smtClean="0"/>
               <a:t>33</a:t>
+            </a:fld>
+            <a:endParaRPr lang="de-DE"/>
+          </a:p>
+        </p:txBody>
+      </p:sp>
+    </p:spTree>
+    <p:extLst>
+      <p:ext uri="{BB962C8B-B14F-4D97-AF65-F5344CB8AC3E}">
+        <p14:creationId xmlns:p14="http://schemas.microsoft.com/office/powerpoint/2010/main" val="974465744"/>
+      </p:ext>
+    </p:extLst>
+  </p:cSld>
+  <p:clrMapOvr>
+    <a:masterClrMapping/>
+  </p:clrMapOvr>
+</p:notes>
+</file>
+
+<file path=ppt/notesSlides/notesSlide28.xml><?xml version="1.0" encoding="utf-8"?>
+<p:notes xmlns:a="http://schemas.openxmlformats.org/drawingml/2006/main" xmlns:r="http://schemas.openxmlformats.org/officeDocument/2006/relationships" xmlns:p="http://schemas.openxmlformats.org/presentationml/2006/main">
+  <p:cSld>
+    <p:spTree>
+      <p:nvGrpSpPr>
+        <p:cNvPr id="1" name=""/>
+        <p:cNvGrpSpPr/>
+        <p:nvPr/>
+      </p:nvGrpSpPr>
+      <p:grpSpPr>
+        <a:xfrm>
+          <a:off x="0" y="0"/>
+          <a:ext cx="0" cy="0"/>
+          <a:chOff x="0" y="0"/>
+          <a:chExt cx="0" cy="0"/>
+        </a:xfrm>
+      </p:grpSpPr>
+      <p:sp>
+        <p:nvSpPr>
+          <p:cNvPr id="2" name="Folienbildplatzhalter 1"/>
+          <p:cNvSpPr>
+            <a:spLocks noGrp="1" noRot="1" noChangeAspect="1"/>
+          </p:cNvSpPr>
+          <p:nvPr>
+            <p:ph type="sldImg"/>
+          </p:nvPr>
+        </p:nvSpPr>
+        <p:spPr/>
+      </p:sp>
+      <p:sp>
+        <p:nvSpPr>
+          <p:cNvPr id="3" name="Notizenplatzhalter 2"/>
+          <p:cNvSpPr>
+            <a:spLocks noGrp="1"/>
+          </p:cNvSpPr>
+          <p:nvPr>
+            <p:ph type="body" idx="1"/>
+          </p:nvPr>
+        </p:nvSpPr>
+        <p:spPr/>
+        <p:txBody>
+          <a:bodyPr/>
+          <a:lstStyle/>
+          <a:p>
+            <a:endParaRPr lang="de-DE" baseline="0" dirty="0" smtClean="0"/>
+          </a:p>
+        </p:txBody>
+      </p:sp>
+      <p:sp>
+        <p:nvSpPr>
+          <p:cNvPr id="4" name="Foliennummernplatzhalter 3"/>
+          <p:cNvSpPr>
+            <a:spLocks noGrp="1"/>
+          </p:cNvSpPr>
+          <p:nvPr>
+            <p:ph type="sldNum" sz="quarter" idx="10"/>
+          </p:nvPr>
+        </p:nvSpPr>
+        <p:spPr/>
+        <p:txBody>
+          <a:bodyPr/>
+          <a:lstStyle/>
+          <a:p>
+            <a:fld id="{1E244666-3206-44F5-9D23-B12C7137FB66}" type="slidenum">
+              <a:rPr lang="de-DE" smtClean="0"/>
+              <a:t>34</a:t>
+            </a:fld>
+            <a:endParaRPr lang="de-DE"/>
+          </a:p>
+        </p:txBody>
+      </p:sp>
+    </p:spTree>
+    <p:extLst>
+      <p:ext uri="{BB962C8B-B14F-4D97-AF65-F5344CB8AC3E}">
+        <p14:creationId xmlns:p14="http://schemas.microsoft.com/office/powerpoint/2010/main" val="974465744"/>
+      </p:ext>
+    </p:extLst>
+  </p:cSld>
+  <p:clrMapOvr>
+    <a:masterClrMapping/>
+  </p:clrMapOvr>
+</p:notes>
+</file>
+
+<file path=ppt/notesSlides/notesSlide29.xml><?xml version="1.0" encoding="utf-8"?>
+<p:notes xmlns:a="http://schemas.openxmlformats.org/drawingml/2006/main" xmlns:r="http://schemas.openxmlformats.org/officeDocument/2006/relationships" xmlns:p="http://schemas.openxmlformats.org/presentationml/2006/main">
+  <p:cSld>
+    <p:spTree>
+      <p:nvGrpSpPr>
+        <p:cNvPr id="1" name=""/>
+        <p:cNvGrpSpPr/>
+        <p:nvPr/>
+      </p:nvGrpSpPr>
+      <p:grpSpPr>
+        <a:xfrm>
+          <a:off x="0" y="0"/>
+          <a:ext cx="0" cy="0"/>
+          <a:chOff x="0" y="0"/>
+          <a:chExt cx="0" cy="0"/>
+        </a:xfrm>
+      </p:grpSpPr>
+      <p:sp>
+        <p:nvSpPr>
+          <p:cNvPr id="2" name="Folienbildplatzhalter 1"/>
+          <p:cNvSpPr>
+            <a:spLocks noGrp="1" noRot="1" noChangeAspect="1"/>
+          </p:cNvSpPr>
+          <p:nvPr>
+            <p:ph type="sldImg"/>
+          </p:nvPr>
+        </p:nvSpPr>
+        <p:spPr/>
+      </p:sp>
+      <p:sp>
+        <p:nvSpPr>
+          <p:cNvPr id="3" name="Notizenplatzhalter 2"/>
+          <p:cNvSpPr>
+            <a:spLocks noGrp="1"/>
+          </p:cNvSpPr>
+          <p:nvPr>
+            <p:ph type="body" idx="1"/>
+          </p:nvPr>
+        </p:nvSpPr>
+        <p:spPr/>
+        <p:txBody>
+          <a:bodyPr/>
+          <a:lstStyle/>
+          <a:p>
+            <a:endParaRPr lang="de-DE" dirty="0"/>
+          </a:p>
+        </p:txBody>
+      </p:sp>
+      <p:sp>
+        <p:nvSpPr>
+          <p:cNvPr id="4" name="Foliennummernplatzhalter 3"/>
+          <p:cNvSpPr>
+            <a:spLocks noGrp="1"/>
+          </p:cNvSpPr>
+          <p:nvPr>
+            <p:ph type="sldNum" sz="quarter" idx="10"/>
+          </p:nvPr>
+        </p:nvSpPr>
+        <p:spPr/>
+        <p:txBody>
+          <a:bodyPr/>
+          <a:lstStyle/>
+          <a:p>
+            <a:fld id="{1E244666-3206-44F5-9D23-B12C7137FB66}" type="slidenum">
+              <a:rPr lang="de-DE" smtClean="0"/>
+              <a:t>35</a:t>
             </a:fld>
             <a:endParaRPr lang="de-DE"/>
           </a:p>
@@ -3231,11 +3486,7 @@
           <a:p>
             <a:r>
               <a:rPr lang="de-DE" dirty="0" smtClean="0"/>
-              <a:t>Beispiel </a:t>
-            </a:r>
-            <a:r>
-              <a:rPr lang="de-DE" dirty="0" smtClean="0"/>
-              <a:t>4</a:t>
+              <a:t>Beispiel 4</a:t>
             </a:r>
           </a:p>
           <a:p>
@@ -5566,7 +5817,7 @@
             <a:fld id="{0145FF8F-96EF-43E0-B953-12C6F9FFA3E5}" type="datetime1">
               <a:rPr lang="de-DE"/>
               <a:pPr/>
-              <a:t>01.03.2015</a:t>
+              <a:t>03.03.2015</a:t>
             </a:fld>
             <a:endParaRPr lang="de-DE"/>
           </a:p>
@@ -6330,7 +6581,7 @@
   </p:timing>
   <p:extLst mod="1">
     <p:ext uri="{DCECCB84-F9BA-43D5-87BE-67443E8EF086}">
-      <p15:sldGuideLst xmlns="" xmlns:p15="http://schemas.microsoft.com/office/powerpoint/2012/main">
+      <p15:sldGuideLst xmlns:p15="http://schemas.microsoft.com/office/powerpoint/2012/main" xmlns="">
         <p15:guide id="1" orient="horz" pos="2160" userDrawn="1">
           <p15:clr>
             <a:srgbClr val="FBAE40"/>
@@ -8606,11 +8857,7 @@
           <a:p>
             <a:r>
               <a:rPr lang="de-DE" dirty="0" smtClean="0"/>
-              <a:t>Fehler direkt </a:t>
-            </a:r>
-            <a:r>
-              <a:rPr lang="de-DE" dirty="0" smtClean="0"/>
-              <a:t>erkennbar</a:t>
+              <a:t>Fehler direkt erkennbar</a:t>
             </a:r>
           </a:p>
           <a:p>
@@ -8626,7 +8873,6 @@
               <a:rPr lang="de-DE" dirty="0" smtClean="0"/>
               <a:t> genügen</a:t>
             </a:r>
-            <a:endParaRPr lang="de-DE" dirty="0" smtClean="0"/>
           </a:p>
         </p:txBody>
       </p:sp>
@@ -8781,11 +9027,7 @@
             </a:r>
             <a:r>
               <a:rPr lang="de-DE" dirty="0" smtClean="0"/>
-              <a:t> </a:t>
-            </a:r>
-            <a:r>
-              <a:rPr lang="de-DE" dirty="0" smtClean="0"/>
-              <a:t>kombinierbar</a:t>
+              <a:t> kombinierbar</a:t>
             </a:r>
           </a:p>
           <a:p>
@@ -8793,7 +9035,6 @@
               <a:rPr lang="de-DE" dirty="0" smtClean="0"/>
               <a:t>In (fast) beliebiger Sprache</a:t>
             </a:r>
-            <a:endParaRPr lang="de-DE" dirty="0" smtClean="0"/>
           </a:p>
         </p:txBody>
       </p:sp>
@@ -8896,11 +9137,7 @@
           <a:p>
             <a:r>
               <a:rPr lang="de-DE" dirty="0" smtClean="0"/>
-              <a:t>Tests </a:t>
-            </a:r>
-            <a:r>
-              <a:rPr lang="de-DE" dirty="0" smtClean="0"/>
-              <a:t>nicht optimieren</a:t>
+              <a:t>Tests nicht optimieren</a:t>
             </a:r>
           </a:p>
           <a:p>
@@ -8914,11 +9151,7 @@
             </a:r>
             <a:r>
               <a:rPr lang="de-DE" dirty="0" smtClean="0"/>
-              <a:t> im </a:t>
-            </a:r>
-            <a:r>
-              <a:rPr lang="de-DE" dirty="0" smtClean="0"/>
-              <a:t>Speicher</a:t>
+              <a:t> im Speicher</a:t>
             </a:r>
           </a:p>
           <a:p>
@@ -9037,13 +9270,8 @@
           <a:p>
             <a:r>
               <a:rPr lang="de-DE" dirty="0" smtClean="0"/>
-              <a:t>Ersetze sie durch </a:t>
-            </a:r>
-            <a:r>
-              <a:rPr lang="de-DE" dirty="0" smtClean="0"/>
-              <a:t>Mock-Instanzen</a:t>
-            </a:r>
-            <a:endParaRPr lang="de-DE" dirty="0" smtClean="0"/>
+              <a:t>Ersetze sie durch Mock-Instanzen</a:t>
+            </a:r>
           </a:p>
           <a:p>
             <a:r>
@@ -9170,7 +9398,7 @@
       </p:sp>
       <p:pic>
         <p:nvPicPr>
-          <p:cNvPr id="3" name="Grafik 2"/>
+          <p:cNvPr id="4" name="Grafik 3"/>
           <p:cNvPicPr>
             <a:picLocks noChangeAspect="1"/>
           </p:cNvPicPr>
@@ -9190,44 +9418,14 @@
         </p:blipFill>
         <p:spPr>
           <a:xfrm>
-            <a:off x="928339" y="909260"/>
-            <a:ext cx="4982271" cy="5382377"/>
+            <a:off x="147276" y="1328361"/>
+            <a:ext cx="5172797" cy="4748590"/>
           </a:xfrm>
           <a:prstGeom prst="rect">
             <a:avLst/>
           </a:prstGeom>
         </p:spPr>
       </p:pic>
-      <p:pic>
-        <p:nvPicPr>
-          <p:cNvPr id="5" name="Grafik 4"/>
-          <p:cNvPicPr>
-            <a:picLocks noChangeAspect="1"/>
-          </p:cNvPicPr>
-          <p:nvPr/>
-        </p:nvPicPr>
-        <p:blipFill>
-          <a:blip r:embed="rId4">
-            <a:extLst>
-              <a:ext uri="{28A0092B-C50C-407E-A947-70E740481C1C}">
-                <a14:useLocalDpi xmlns:a14="http://schemas.microsoft.com/office/drawing/2010/main" val="0"/>
-              </a:ext>
-            </a:extLst>
-          </a:blip>
-          <a:stretch>
-            <a:fillRect/>
-          </a:stretch>
-        </p:blipFill>
-        <p:spPr>
-          <a:xfrm>
-            <a:off x="6562379" y="909261"/>
-            <a:ext cx="4953692" cy="5382377"/>
-          </a:xfrm>
-          <a:prstGeom prst="rect">
-            <a:avLst/>
-          </a:prstGeom>
-        </p:spPr>
-      </p:pic>
       <p:sp>
         <p:nvSpPr>
           <p:cNvPr id="13" name="&quot;Nein&quot;-Symbol 12"/>
@@ -9236,7 +9434,7 @@
         </p:nvSpPr>
         <p:spPr>
           <a:xfrm>
-            <a:off x="1095497" y="1266824"/>
+            <a:off x="380998" y="1123949"/>
             <a:ext cx="4705351" cy="4705351"/>
           </a:xfrm>
           <a:prstGeom prst="noSmoking">
@@ -9280,6 +9478,36 @@
           </a:p>
         </p:txBody>
       </p:sp>
+      <p:pic>
+        <p:nvPicPr>
+          <p:cNvPr id="6" name="Grafik 5"/>
+          <p:cNvPicPr>
+            <a:picLocks noChangeAspect="1"/>
+          </p:cNvPicPr>
+          <p:nvPr/>
+        </p:nvPicPr>
+        <p:blipFill>
+          <a:blip r:embed="rId4">
+            <a:extLst>
+              <a:ext uri="{28A0092B-C50C-407E-A947-70E740481C1C}">
+                <a14:useLocalDpi xmlns:a14="http://schemas.microsoft.com/office/drawing/2010/main" val="0"/>
+              </a:ext>
+            </a:extLst>
+          </a:blip>
+          <a:stretch>
+            <a:fillRect/>
+          </a:stretch>
+        </p:blipFill>
+        <p:spPr>
+          <a:xfrm>
+            <a:off x="7064566" y="909260"/>
+            <a:ext cx="4920867" cy="5948740"/>
+          </a:xfrm>
+          <a:prstGeom prst="rect">
+            <a:avLst/>
+          </a:prstGeom>
+        </p:spPr>
+      </p:pic>
     </p:spTree>
     <p:extLst>
       <p:ext uri="{BB962C8B-B14F-4D97-AF65-F5344CB8AC3E}">
@@ -9954,21 +10182,18 @@
               <a:rPr lang="de-DE" sz="3600" dirty="0" smtClean="0"/>
               <a:t> Elemente</a:t>
             </a:r>
-            <a:endParaRPr lang="de-DE" sz="3600" dirty="0" smtClean="0"/>
           </a:p>
           <a:p>
             <a:r>
               <a:rPr lang="de-DE" dirty="0" smtClean="0"/>
               <a:t>Default-Verhalten</a:t>
             </a:r>
-            <a:endParaRPr lang="de-DE" dirty="0" smtClean="0"/>
           </a:p>
           <a:p>
             <a:r>
               <a:rPr lang="de-DE" dirty="0" smtClean="0"/>
               <a:t>Aktueller Status der View</a:t>
             </a:r>
-            <a:endParaRPr lang="de-DE" dirty="0" smtClean="0"/>
           </a:p>
           <a:p>
             <a:r>
@@ -9987,7 +10212,6 @@
               <a:rPr lang="de-DE" dirty="0" smtClean="0"/>
               <a:t>Businesslogik</a:t>
             </a:r>
-            <a:endParaRPr lang="de-DE" dirty="0" smtClean="0"/>
           </a:p>
         </p:txBody>
       </p:sp>
@@ -10099,21 +10323,18 @@
               <a:rPr lang="de-DE" sz="3600" dirty="0" smtClean="0"/>
               <a:t> Elemente</a:t>
             </a:r>
-            <a:endParaRPr lang="de-DE" sz="3600" dirty="0" smtClean="0"/>
           </a:p>
           <a:p>
             <a:r>
               <a:rPr lang="de-DE" dirty="0" smtClean="0"/>
               <a:t>Aussehen</a:t>
             </a:r>
-            <a:endParaRPr lang="de-DE" dirty="0" smtClean="0"/>
           </a:p>
           <a:p>
             <a:r>
               <a:rPr lang="de-DE" dirty="0" smtClean="0"/>
               <a:t>Animationen</a:t>
             </a:r>
-            <a:endParaRPr lang="de-DE" dirty="0" smtClean="0"/>
           </a:p>
           <a:p>
             <a:r>
@@ -10126,7 +10347,6 @@
               <a:rPr lang="de-DE" dirty="0" smtClean="0"/>
               <a:t>Trigger</a:t>
             </a:r>
-            <a:endParaRPr lang="de-DE" dirty="0" smtClean="0"/>
           </a:p>
         </p:txBody>
       </p:sp>
@@ -10313,8 +10533,8 @@
         </p:nvSpPr>
         <p:spPr>
           <a:xfrm>
-            <a:off x="522514" y="2047875"/>
-            <a:ext cx="11079678" cy="2999138"/>
+            <a:off x="493939" y="1022640"/>
+            <a:ext cx="11079678" cy="3235036"/>
           </a:xfrm>
         </p:spPr>
         <p:txBody>
@@ -10328,26 +10548,55 @@
             </a:pPr>
             <a:r>
               <a:rPr lang="de-DE" sz="3600" dirty="0" smtClean="0"/>
-              <a:t>Auflösen der Implementierungen</a:t>
-            </a:r>
-          </a:p>
-          <a:p>
-            <a:r>
-              <a:rPr lang="de-DE" dirty="0" smtClean="0"/>
-              <a:t>Direktes Erzeugen verlagert Problem nur</a:t>
-            </a:r>
-          </a:p>
-          <a:p>
-            <a:r>
-              <a:rPr lang="de-DE" dirty="0" smtClean="0"/>
-              <a:t>Zentrale Stelle zur Registrierung</a:t>
-            </a:r>
-          </a:p>
-          <a:p>
-            <a:r>
-              <a:rPr lang="de-DE" dirty="0" smtClean="0"/>
-              <a:t>Automatisches Auflösen von Abhängigkeiten</a:t>
-            </a:r>
+              <a:t>Antipattern </a:t>
+            </a:r>
+            <a:r>
+              <a:rPr lang="de-DE" sz="3600" dirty="0" err="1" smtClean="0"/>
+              <a:t>ServiceLocator</a:t>
+            </a:r>
+            <a:endParaRPr lang="de-DE" sz="3600" dirty="0" smtClean="0"/>
+          </a:p>
+          <a:p>
+            <a:r>
+              <a:rPr lang="de-DE" dirty="0" smtClean="0"/>
+              <a:t>Funktionalität Interface extrahiert</a:t>
+            </a:r>
+            <a:endParaRPr lang="de-DE" dirty="0" smtClean="0"/>
+          </a:p>
+          <a:p>
+            <a:r>
+              <a:rPr lang="de-DE" dirty="0" smtClean="0"/>
+              <a:t>Nicht ersetzbar durch </a:t>
+            </a:r>
+            <a:r>
+              <a:rPr lang="de-DE" dirty="0" smtClean="0"/>
+              <a:t>Mock-Instanzen</a:t>
+            </a:r>
+          </a:p>
+          <a:p>
+            <a:r>
+              <a:rPr lang="en-US" dirty="0" smtClean="0"/>
+              <a:t>In </a:t>
+            </a:r>
+            <a:r>
+              <a:rPr lang="en-US" dirty="0" err="1" smtClean="0"/>
+              <a:t>Ausnahmef</a:t>
+            </a:r>
+            <a:r>
+              <a:rPr lang="de-DE" dirty="0" err="1" smtClean="0"/>
+              <a:t>ällen</a:t>
+            </a:r>
+            <a:r>
+              <a:rPr lang="de-DE" dirty="0" smtClean="0"/>
+              <a:t> benutzbar</a:t>
+            </a:r>
+          </a:p>
+          <a:p>
+            <a:r>
+              <a:rPr lang="de-DE" dirty="0" smtClean="0"/>
+              <a:t>Ausnahme gut begründen!</a:t>
+            </a:r>
+            <a:endParaRPr lang="de-DE" dirty="0" smtClean="0"/>
           </a:p>
         </p:txBody>
       </p:sp>
@@ -10400,56 +10649,18 @@
         </p:blipFill>
         <p:spPr>
           <a:xfrm>
-            <a:off x="3271508" y="1019119"/>
-            <a:ext cx="4715533" cy="800212"/>
+            <a:off x="2557069" y="4519549"/>
+            <a:ext cx="5630061" cy="885949"/>
           </a:xfrm>
           <a:prstGeom prst="rect">
             <a:avLst/>
           </a:prstGeom>
         </p:spPr>
       </p:pic>
-      <p:sp>
-        <p:nvSpPr>
-          <p:cNvPr id="5" name="Inhaltsplatzhalter 3"/>
-          <p:cNvSpPr>
-            <a:spLocks noGrp="1"/>
-          </p:cNvSpPr>
-          <p:nvPr>
-            <p:ph idx="11"/>
-          </p:nvPr>
-        </p:nvSpPr>
-        <p:spPr>
-          <a:xfrm>
-            <a:off x="522513" y="5494689"/>
-            <a:ext cx="11079678" cy="1363311"/>
-          </a:xfrm>
-        </p:spPr>
-        <p:txBody>
-          <a:bodyPr>
-            <a:normAutofit/>
-          </a:bodyPr>
-          <a:lstStyle/>
-          <a:p>
-            <a:pPr marL="457200" indent="-457200">
-              <a:buFont typeface="Wingdings"/>
-              <a:buChar char="à"/>
-            </a:pPr>
-            <a:r>
-              <a:rPr lang="de-DE" dirty="0" err="1" smtClean="0"/>
-              <a:t>IoC</a:t>
-            </a:r>
-            <a:r>
-              <a:rPr lang="de-DE" dirty="0" smtClean="0"/>
-              <a:t> Container</a:t>
-            </a:r>
-            <a:endParaRPr lang="de-DE" dirty="0"/>
-          </a:p>
-        </p:txBody>
-      </p:sp>
     </p:spTree>
     <p:extLst>
       <p:ext uri="{BB962C8B-B14F-4D97-AF65-F5344CB8AC3E}">
-        <p14:creationId xmlns:p14="http://schemas.microsoft.com/office/powerpoint/2010/main" val="817326713"/>
+        <p14:creationId xmlns:p14="http://schemas.microsoft.com/office/powerpoint/2010/main" val="1178712817"/>
       </p:ext>
     </p:extLst>
   </p:cSld>
@@ -10505,10 +10716,15 @@
             <p:ph idx="1"/>
           </p:nvPr>
         </p:nvSpPr>
-        <p:spPr/>
+        <p:spPr>
+          <a:xfrm>
+            <a:off x="522514" y="2047875"/>
+            <a:ext cx="11079678" cy="2999138"/>
+          </a:xfrm>
+        </p:spPr>
         <p:txBody>
           <a:bodyPr anchor="ctr">
-            <a:normAutofit lnSpcReduction="10000"/>
+            <a:normAutofit/>
           </a:bodyPr>
           <a:lstStyle/>
           <a:p>
@@ -10517,61 +10733,25 @@
             </a:pPr>
             <a:r>
               <a:rPr lang="de-DE" sz="3600" dirty="0" smtClean="0"/>
-              <a:t>Mögliche </a:t>
-            </a:r>
-            <a:r>
-              <a:rPr lang="de-DE" sz="3600" dirty="0" err="1" smtClean="0"/>
-              <a:t>IoC</a:t>
-            </a:r>
-            <a:r>
-              <a:rPr lang="de-DE" sz="3600" dirty="0" smtClean="0"/>
-              <a:t> Container</a:t>
-            </a:r>
-          </a:p>
-          <a:p>
-            <a:r>
-              <a:rPr lang="de-DE" dirty="0" smtClean="0"/>
-              <a:t>MEF (eher für </a:t>
-            </a:r>
-            <a:r>
-              <a:rPr lang="de-DE" dirty="0" err="1" smtClean="0"/>
-              <a:t>Plugins</a:t>
-            </a:r>
-            <a:r>
-              <a:rPr lang="de-DE" dirty="0" smtClean="0"/>
-              <a:t> gedacht)</a:t>
-            </a:r>
-          </a:p>
-          <a:p>
-            <a:r>
-              <a:rPr lang="de-DE" dirty="0" smtClean="0"/>
-              <a:t>Castle Windsor</a:t>
-            </a:r>
-          </a:p>
-          <a:p>
-            <a:r>
-              <a:rPr lang="de-DE" dirty="0" smtClean="0"/>
-              <a:t>Spring .NET</a:t>
-            </a:r>
-          </a:p>
-          <a:p>
-            <a:r>
-              <a:rPr lang="de-DE" dirty="0" err="1" smtClean="0"/>
-              <a:t>LightCore</a:t>
-            </a:r>
-            <a:endParaRPr lang="de-DE" dirty="0" smtClean="0"/>
-          </a:p>
-          <a:p>
-            <a:r>
-              <a:rPr lang="de-DE" dirty="0" err="1" smtClean="0"/>
-              <a:t>Unity</a:t>
-            </a:r>
-            <a:endParaRPr lang="de-DE" dirty="0" smtClean="0"/>
-          </a:p>
-          <a:p>
-            <a:r>
-              <a:rPr lang="de-DE" dirty="0" smtClean="0"/>
-              <a:t>…</a:t>
+              <a:t>Auflösen der Implementierungen</a:t>
+            </a:r>
+          </a:p>
+          <a:p>
+            <a:r>
+              <a:rPr lang="de-DE" dirty="0" smtClean="0"/>
+              <a:t>Direktes Erzeugen verlagert Problem nur</a:t>
+            </a:r>
+          </a:p>
+          <a:p>
+            <a:r>
+              <a:rPr lang="de-DE" dirty="0" smtClean="0"/>
+              <a:t>Zentrale Stelle zur Registrierung</a:t>
+            </a:r>
+          </a:p>
+          <a:p>
+            <a:r>
+              <a:rPr lang="de-DE" dirty="0" smtClean="0"/>
+              <a:t>Automatisches Auflösen von Abhängigkeiten</a:t>
             </a:r>
           </a:p>
         </p:txBody>
@@ -10592,20 +10772,89 @@
           <a:lstStyle/>
           <a:p>
             <a:r>
-              <a:rPr lang="de-DE" dirty="0" err="1"/>
+              <a:rPr lang="de-DE" dirty="0" err="1" smtClean="0"/>
               <a:t>IoC</a:t>
             </a:r>
             <a:r>
-              <a:rPr lang="de-DE" dirty="0"/>
+              <a:rPr lang="de-DE" dirty="0" smtClean="0"/>
               <a:t> Container</a:t>
             </a:r>
-          </a:p>
-        </p:txBody>
-      </p:sp>
+            <a:endParaRPr lang="de-DE" dirty="0"/>
+          </a:p>
+        </p:txBody>
+      </p:sp>
+      <p:sp>
+        <p:nvSpPr>
+          <p:cNvPr id="5" name="Inhaltsplatzhalter 3"/>
+          <p:cNvSpPr>
+            <a:spLocks noGrp="1"/>
+          </p:cNvSpPr>
+          <p:nvPr>
+            <p:ph idx="11"/>
+          </p:nvPr>
+        </p:nvSpPr>
+        <p:spPr>
+          <a:xfrm>
+            <a:off x="522513" y="5494689"/>
+            <a:ext cx="11079678" cy="1363311"/>
+          </a:xfrm>
+        </p:spPr>
+        <p:txBody>
+          <a:bodyPr>
+            <a:normAutofit/>
+          </a:bodyPr>
+          <a:lstStyle/>
+          <a:p>
+            <a:pPr marL="457200" indent="-457200">
+              <a:buFont typeface="Wingdings"/>
+              <a:buChar char="à"/>
+            </a:pPr>
+            <a:r>
+              <a:rPr lang="de-DE" dirty="0" err="1" smtClean="0"/>
+              <a:t>IoC</a:t>
+            </a:r>
+            <a:r>
+              <a:rPr lang="de-DE" dirty="0" smtClean="0"/>
+              <a:t> Container</a:t>
+            </a:r>
+            <a:endParaRPr lang="de-DE" dirty="0"/>
+          </a:p>
+        </p:txBody>
+      </p:sp>
+      <p:pic>
+        <p:nvPicPr>
+          <p:cNvPr id="6" name="Grafik 5"/>
+          <p:cNvPicPr>
+            <a:picLocks noChangeAspect="1"/>
+          </p:cNvPicPr>
+          <p:nvPr/>
+        </p:nvPicPr>
+        <p:blipFill>
+          <a:blip r:embed="rId3">
+            <a:extLst>
+              <a:ext uri="{28A0092B-C50C-407E-A947-70E740481C1C}">
+                <a14:useLocalDpi xmlns:a14="http://schemas.microsoft.com/office/drawing/2010/main" val="0"/>
+              </a:ext>
+            </a:extLst>
+          </a:blip>
+          <a:stretch>
+            <a:fillRect/>
+          </a:stretch>
+        </p:blipFill>
+        <p:spPr>
+          <a:xfrm>
+            <a:off x="3933508" y="1019088"/>
+            <a:ext cx="4534533" cy="1238423"/>
+          </a:xfrm>
+          <a:prstGeom prst="rect">
+            <a:avLst/>
+          </a:prstGeom>
+        </p:spPr>
+      </p:pic>
     </p:spTree>
     <p:extLst>
       <p:ext uri="{BB962C8B-B14F-4D97-AF65-F5344CB8AC3E}">
-        <p14:creationId xmlns:p14="http://schemas.microsoft.com/office/powerpoint/2010/main" val="4104159197"/>
+        <p14:creationId xmlns:p14="http://schemas.microsoft.com/office/powerpoint/2010/main" val="817326713"/>
       </p:ext>
     </p:extLst>
   </p:cSld>
@@ -10653,6 +10902,87 @@
       </p:grpSpPr>
       <p:sp>
         <p:nvSpPr>
+          <p:cNvPr id="11" name="Inhaltsplatzhalter 10"/>
+          <p:cNvSpPr>
+            <a:spLocks noGrp="1"/>
+          </p:cNvSpPr>
+          <p:nvPr>
+            <p:ph idx="1"/>
+          </p:nvPr>
+        </p:nvSpPr>
+        <p:spPr/>
+        <p:txBody>
+          <a:bodyPr anchor="ctr">
+            <a:normAutofit lnSpcReduction="10000"/>
+          </a:bodyPr>
+          <a:lstStyle/>
+          <a:p>
+            <a:pPr marL="0" indent="0">
+              <a:buNone/>
+            </a:pPr>
+            <a:r>
+              <a:rPr lang="de-DE" sz="3600" dirty="0" smtClean="0"/>
+              <a:t>Mögliche </a:t>
+            </a:r>
+            <a:r>
+              <a:rPr lang="de-DE" sz="3600" dirty="0" err="1" smtClean="0"/>
+              <a:t>IoC</a:t>
+            </a:r>
+            <a:r>
+              <a:rPr lang="de-DE" sz="3600" dirty="0" smtClean="0"/>
+              <a:t> Container</a:t>
+            </a:r>
+          </a:p>
+          <a:p>
+            <a:r>
+              <a:rPr lang="de-DE" dirty="0" smtClean="0"/>
+              <a:t>MEF (eher für </a:t>
+            </a:r>
+            <a:r>
+              <a:rPr lang="de-DE" dirty="0" err="1" smtClean="0"/>
+              <a:t>Plugins</a:t>
+            </a:r>
+            <a:r>
+              <a:rPr lang="de-DE" dirty="0" smtClean="0"/>
+              <a:t> gedacht)</a:t>
+            </a:r>
+          </a:p>
+          <a:p>
+            <a:r>
+              <a:rPr lang="de-DE" dirty="0" smtClean="0"/>
+              <a:t>Castle Windsor</a:t>
+            </a:r>
+          </a:p>
+          <a:p>
+            <a:r>
+              <a:rPr lang="de-DE" dirty="0" smtClean="0"/>
+              <a:t>Spring .NET</a:t>
+            </a:r>
+          </a:p>
+          <a:p>
+            <a:r>
+              <a:rPr lang="de-DE" dirty="0" err="1" smtClean="0"/>
+              <a:t>LightCore</a:t>
+            </a:r>
+            <a:endParaRPr lang="de-DE" dirty="0" smtClean="0"/>
+          </a:p>
+          <a:p>
+            <a:r>
+              <a:rPr lang="de-DE" dirty="0" err="1" smtClean="0"/>
+              <a:t>Unity</a:t>
+            </a:r>
+            <a:endParaRPr lang="de-DE" dirty="0" smtClean="0"/>
+          </a:p>
+          <a:p>
+            <a:r>
+              <a:rPr lang="de-DE" dirty="0" smtClean="0"/>
+              <a:t>…</a:t>
+            </a:r>
+          </a:p>
+        </p:txBody>
+      </p:sp>
+      <p:sp>
+        <p:nvSpPr>
           <p:cNvPr id="8" name="Titel 7"/>
           <p:cNvSpPr>
             <a:spLocks noGrp="1"/>
@@ -10677,40 +11007,10 @@
           </a:p>
         </p:txBody>
       </p:sp>
-      <p:pic>
-        <p:nvPicPr>
-          <p:cNvPr id="3" name="Grafik 2"/>
-          <p:cNvPicPr>
-            <a:picLocks noChangeAspect="1"/>
-          </p:cNvPicPr>
-          <p:nvPr/>
-        </p:nvPicPr>
-        <p:blipFill>
-          <a:blip r:embed="rId3">
-            <a:extLst>
-              <a:ext uri="{28A0092B-C50C-407E-A947-70E740481C1C}">
-                <a14:useLocalDpi xmlns:a14="http://schemas.microsoft.com/office/drawing/2010/main" val="0"/>
-              </a:ext>
-            </a:extLst>
-          </a:blip>
-          <a:stretch>
-            <a:fillRect/>
-          </a:stretch>
-        </p:blipFill>
-        <p:spPr>
-          <a:xfrm>
-            <a:off x="751729" y="932983"/>
-            <a:ext cx="10058400" cy="5925017"/>
-          </a:xfrm>
-          <a:prstGeom prst="rect">
-            <a:avLst/>
-          </a:prstGeom>
-        </p:spPr>
-      </p:pic>
     </p:spTree>
     <p:extLst>
       <p:ext uri="{BB962C8B-B14F-4D97-AF65-F5344CB8AC3E}">
-        <p14:creationId xmlns:p14="http://schemas.microsoft.com/office/powerpoint/2010/main" val="3344068111"/>
+        <p14:creationId xmlns:p14="http://schemas.microsoft.com/office/powerpoint/2010/main" val="4104159197"/>
       </p:ext>
     </p:extLst>
   </p:cSld>
@@ -10758,75 +11058,6 @@
       </p:grpSpPr>
       <p:sp>
         <p:nvSpPr>
-          <p:cNvPr id="11" name="Inhaltsplatzhalter 10"/>
-          <p:cNvSpPr>
-            <a:spLocks noGrp="1"/>
-          </p:cNvSpPr>
-          <p:nvPr>
-            <p:ph idx="1"/>
-          </p:nvPr>
-        </p:nvSpPr>
-        <p:spPr/>
-        <p:txBody>
-          <a:bodyPr anchor="ctr">
-            <a:normAutofit/>
-          </a:bodyPr>
-          <a:lstStyle/>
-          <a:p>
-            <a:pPr marL="0" indent="0">
-              <a:buNone/>
-            </a:pPr>
-            <a:r>
-              <a:rPr lang="de-DE" sz="3600" dirty="0" smtClean="0"/>
-              <a:t>Erzeugen von </a:t>
-            </a:r>
-            <a:r>
-              <a:rPr lang="de-DE" sz="3600" dirty="0" err="1" smtClean="0"/>
-              <a:t>ViewModels</a:t>
-            </a:r>
-            <a:endParaRPr lang="de-DE" sz="3600" dirty="0" smtClean="0"/>
-          </a:p>
-          <a:p>
-            <a:r>
-              <a:rPr lang="de-DE" dirty="0" smtClean="0"/>
-              <a:t>Besitzen wahrscheinlich </a:t>
-            </a:r>
-            <a:r>
-              <a:rPr lang="de-DE" dirty="0" err="1" smtClean="0"/>
-              <a:t>ctor</a:t>
-            </a:r>
-            <a:r>
-              <a:rPr lang="de-DE" dirty="0" smtClean="0"/>
-              <a:t>-Parameter</a:t>
-            </a:r>
-            <a:endParaRPr lang="de-DE" dirty="0" smtClean="0"/>
-          </a:p>
-          <a:p>
-            <a:r>
-              <a:rPr lang="de-DE" dirty="0" smtClean="0"/>
-              <a:t>Werden ebenfalls registriert</a:t>
-            </a:r>
-            <a:endParaRPr lang="de-DE" dirty="0" smtClean="0"/>
-          </a:p>
-          <a:p>
-            <a:r>
-              <a:rPr lang="de-DE" dirty="0" smtClean="0"/>
-              <a:t>Durch </a:t>
-            </a:r>
-            <a:r>
-              <a:rPr lang="de-DE" dirty="0" err="1" smtClean="0"/>
-              <a:t>ViewModelLocator</a:t>
-            </a:r>
-            <a:r>
-              <a:rPr lang="de-DE" dirty="0" smtClean="0"/>
-              <a:t> in XAML benutzbar</a:t>
-            </a:r>
-            <a:endParaRPr lang="de-DE" dirty="0" smtClean="0"/>
-          </a:p>
-        </p:txBody>
-      </p:sp>
-      <p:sp>
-        <p:nvSpPr>
           <p:cNvPr id="8" name="Titel 7"/>
           <p:cNvSpPr>
             <a:spLocks noGrp="1"/>
@@ -10851,10 +11082,40 @@
           </a:p>
         </p:txBody>
       </p:sp>
+      <p:pic>
+        <p:nvPicPr>
+          <p:cNvPr id="2" name="Grafik 1"/>
+          <p:cNvPicPr>
+            <a:picLocks noChangeAspect="1"/>
+          </p:cNvPicPr>
+          <p:nvPr/>
+        </p:nvPicPr>
+        <p:blipFill>
+          <a:blip r:embed="rId3">
+            <a:extLst>
+              <a:ext uri="{28A0092B-C50C-407E-A947-70E740481C1C}">
+                <a14:useLocalDpi xmlns:a14="http://schemas.microsoft.com/office/drawing/2010/main" val="0"/>
+              </a:ext>
+            </a:extLst>
+          </a:blip>
+          <a:stretch>
+            <a:fillRect/>
+          </a:stretch>
+        </p:blipFill>
+        <p:spPr>
+          <a:xfrm>
+            <a:off x="1728176" y="1509399"/>
+            <a:ext cx="8735645" cy="4486902"/>
+          </a:xfrm>
+          <a:prstGeom prst="rect">
+            <a:avLst/>
+          </a:prstGeom>
+        </p:spPr>
+      </p:pic>
     </p:spTree>
     <p:extLst>
       <p:ext uri="{BB962C8B-B14F-4D97-AF65-F5344CB8AC3E}">
-        <p14:creationId xmlns:p14="http://schemas.microsoft.com/office/powerpoint/2010/main" val="1425074617"/>
+        <p14:creationId xmlns:p14="http://schemas.microsoft.com/office/powerpoint/2010/main" val="3344068111"/>
       </p:ext>
     </p:extLst>
   </p:cSld>
@@ -10902,7 +11163,73 @@
       </p:grpSpPr>
       <p:sp>
         <p:nvSpPr>
-          <p:cNvPr id="4" name="Titel 3"/>
+          <p:cNvPr id="11" name="Inhaltsplatzhalter 10"/>
+          <p:cNvSpPr>
+            <a:spLocks noGrp="1"/>
+          </p:cNvSpPr>
+          <p:nvPr>
+            <p:ph idx="1"/>
+          </p:nvPr>
+        </p:nvSpPr>
+        <p:spPr/>
+        <p:txBody>
+          <a:bodyPr anchor="ctr">
+            <a:normAutofit/>
+          </a:bodyPr>
+          <a:lstStyle/>
+          <a:p>
+            <a:pPr marL="0" indent="0">
+              <a:buNone/>
+            </a:pPr>
+            <a:r>
+              <a:rPr lang="de-DE" sz="3600" dirty="0" smtClean="0"/>
+              <a:t>Erzeugen von </a:t>
+            </a:r>
+            <a:r>
+              <a:rPr lang="de-DE" sz="3600" dirty="0" err="1" smtClean="0"/>
+              <a:t>ViewModels</a:t>
+            </a:r>
+            <a:endParaRPr lang="de-DE" sz="3600" dirty="0" smtClean="0"/>
+          </a:p>
+          <a:p>
+            <a:r>
+              <a:rPr lang="de-DE" dirty="0" smtClean="0"/>
+              <a:t>Besitzen wahrscheinlich </a:t>
+            </a:r>
+            <a:r>
+              <a:rPr lang="de-DE" dirty="0" err="1" smtClean="0"/>
+              <a:t>ctor</a:t>
+            </a:r>
+            <a:r>
+              <a:rPr lang="de-DE" dirty="0" smtClean="0"/>
+              <a:t>-Parameter</a:t>
+            </a:r>
+          </a:p>
+          <a:p>
+            <a:r>
+              <a:rPr lang="de-DE" dirty="0" smtClean="0"/>
+              <a:t>Werden ebenfalls registriert</a:t>
+            </a:r>
+          </a:p>
+          <a:p>
+            <a:r>
+              <a:rPr lang="de-DE" dirty="0" smtClean="0"/>
+              <a:t>Durch </a:t>
+            </a:r>
+            <a:r>
+              <a:rPr lang="de-DE" dirty="0" err="1" smtClean="0"/>
+              <a:t>ViewModelLocator</a:t>
+            </a:r>
+            <a:r>
+              <a:rPr lang="de-DE" dirty="0" smtClean="0"/>
+              <a:t> in XAML benutzbar</a:t>
+            </a:r>
+          </a:p>
+        </p:txBody>
+      </p:sp>
+      <p:sp>
+        <p:nvSpPr>
+          <p:cNvPr id="8" name="Titel 7"/>
           <p:cNvSpPr>
             <a:spLocks noGrp="1"/>
           </p:cNvSpPr>
@@ -10916,36 +11243,20 @@
           <a:lstStyle/>
           <a:p>
             <a:r>
-              <a:rPr lang="de-DE" dirty="0" smtClean="0"/>
-              <a:t>Ausblick</a:t>
-            </a:r>
-            <a:endParaRPr lang="de-DE" dirty="0"/>
-          </a:p>
-        </p:txBody>
-      </p:sp>
-      <p:sp>
-        <p:nvSpPr>
-          <p:cNvPr id="2" name="Textplatzhalter 1"/>
-          <p:cNvSpPr>
-            <a:spLocks noGrp="1"/>
-          </p:cNvSpPr>
-          <p:nvPr>
-            <p:ph type="body" sz="quarter" idx="14"/>
-          </p:nvPr>
-        </p:nvSpPr>
-        <p:spPr/>
-        <p:txBody>
-          <a:bodyPr/>
-          <a:lstStyle/>
-          <a:p>
-            <a:endParaRPr lang="de-DE"/>
+              <a:rPr lang="de-DE" dirty="0" err="1"/>
+              <a:t>IoC</a:t>
+            </a:r>
+            <a:r>
+              <a:rPr lang="de-DE" dirty="0"/>
+              <a:t> Container</a:t>
+            </a:r>
           </a:p>
         </p:txBody>
       </p:sp>
     </p:spTree>
     <p:extLst>
       <p:ext uri="{BB962C8B-B14F-4D97-AF65-F5344CB8AC3E}">
-        <p14:creationId xmlns:p14="http://schemas.microsoft.com/office/powerpoint/2010/main" val="3079040353"/>
+        <p14:creationId xmlns:p14="http://schemas.microsoft.com/office/powerpoint/2010/main" val="1425074617"/>
       </p:ext>
     </p:extLst>
   </p:cSld>
@@ -10954,12 +11265,12 @@
   </p:clrMapOvr>
   <mc:AlternateContent xmlns:mc="http://schemas.openxmlformats.org/markup-compatibility/2006" xmlns:p14="http://schemas.microsoft.com/office/powerpoint/2010/main">
     <mc:Choice Requires="p14">
-      <p:transition spd="slow" p14:dur="1200">
-        <p14:prism/>
+      <p:transition spd="med" p14:dur="700">
+        <p:fade/>
       </p:transition>
     </mc:Choice>
     <mc:Fallback xmlns="">
-      <p:transition spd="slow">
+      <p:transition spd="med">
         <p:fade/>
       </p:transition>
     </mc:Fallback>
@@ -11001,7 +11312,12 @@
             <p:ph idx="1"/>
           </p:nvPr>
         </p:nvSpPr>
-        <p:spPr/>
+        <p:spPr>
+          <a:xfrm>
+            <a:off x="455839" y="1032165"/>
+            <a:ext cx="11079678" cy="2796886"/>
+          </a:xfrm>
+        </p:spPr>
         <p:txBody>
           <a:bodyPr anchor="ctr">
             <a:normAutofit/>
@@ -11013,63 +11329,42 @@
             </a:pPr>
             <a:r>
               <a:rPr lang="de-DE" sz="3600" dirty="0" err="1" smtClean="0"/>
-              <a:t>Cucumber</a:t>
+              <a:t>ViewModelLocator</a:t>
             </a:r>
             <a:endParaRPr lang="de-DE" sz="3600" dirty="0" smtClean="0"/>
           </a:p>
           <a:p>
             <a:r>
               <a:rPr lang="de-DE" dirty="0" smtClean="0"/>
-              <a:t>User Storys </a:t>
-            </a:r>
-            <a:r>
-              <a:rPr lang="de-DE" dirty="0" smtClean="0">
-                <a:sym typeface="Wingdings" panose="05000000000000000000" pitchFamily="2" charset="2"/>
-              </a:rPr>
-              <a:t></a:t>
-            </a:r>
-            <a:r>
-              <a:rPr lang="de-DE" dirty="0" smtClean="0"/>
-              <a:t> </a:t>
+              <a:t>Pro </a:t>
             </a:r>
             <a:r>
               <a:rPr lang="de-DE" dirty="0" err="1" smtClean="0"/>
-              <a:t>Annahmenkatalog</a:t>
-            </a:r>
-            <a:r>
-              <a:rPr lang="de-DE" dirty="0" smtClean="0"/>
-              <a:t>?</a:t>
-            </a:r>
-          </a:p>
-          <a:p>
-            <a:r>
-              <a:rPr lang="de-DE" dirty="0" smtClean="0"/>
-              <a:t>Szenarios in Angebot übernehmen?</a:t>
-            </a:r>
-          </a:p>
-          <a:p>
-            <a:r>
-              <a:rPr lang="de-DE" dirty="0" smtClean="0"/>
-              <a:t>Selbe Storys für Designer und Entwickler?</a:t>
+              <a:t>ViewModel</a:t>
+            </a:r>
+            <a:r>
+              <a:rPr lang="de-DE" dirty="0" smtClean="0"/>
+              <a:t> neue Klasse</a:t>
             </a:r>
             <a:endParaRPr lang="de-DE" dirty="0" smtClean="0"/>
           </a:p>
           <a:p>
             <a:r>
               <a:rPr lang="de-DE" dirty="0" smtClean="0"/>
-              <a:t>Bedienbarkeit selbst </a:t>
+              <a:t>Unterscheidung </a:t>
             </a:r>
             <a:r>
               <a:rPr lang="de-DE" dirty="0" err="1" smtClean="0"/>
-              <a:t>testbar</a:t>
-            </a:r>
-            <a:r>
-              <a:rPr lang="de-DE" dirty="0"/>
-              <a:t>?</a:t>
-            </a:r>
-            <a:endParaRPr lang="de-DE" dirty="0" smtClean="0"/>
-          </a:p>
-          <a:p>
+              <a:t>DesignTime</a:t>
+            </a:r>
+            <a:r>
+              <a:rPr lang="de-DE" dirty="0" smtClean="0"/>
+              <a:t> und </a:t>
+            </a:r>
+            <a:r>
+              <a:rPr lang="de-DE" dirty="0" err="1" smtClean="0"/>
+              <a:t>Runtime</a:t>
+            </a:r>
             <a:endParaRPr lang="de-DE" dirty="0" smtClean="0"/>
           </a:p>
         </p:txBody>
@@ -11090,17 +11385,80 @@
           <a:lstStyle/>
           <a:p>
             <a:r>
-              <a:rPr lang="de-DE" dirty="0" smtClean="0"/>
-              <a:t>Ausblick</a:t>
-            </a:r>
-            <a:endParaRPr lang="de-DE" dirty="0"/>
-          </a:p>
-        </p:txBody>
-      </p:sp>
+              <a:rPr lang="de-DE" dirty="0" err="1"/>
+              <a:t>IoC</a:t>
+            </a:r>
+            <a:r>
+              <a:rPr lang="de-DE" dirty="0"/>
+              <a:t> Container</a:t>
+            </a:r>
+          </a:p>
+        </p:txBody>
+      </p:sp>
+      <p:pic>
+        <p:nvPicPr>
+          <p:cNvPr id="3" name="Grafik 2"/>
+          <p:cNvPicPr>
+            <a:picLocks noChangeAspect="1"/>
+          </p:cNvPicPr>
+          <p:nvPr/>
+        </p:nvPicPr>
+        <p:blipFill>
+          <a:blip r:embed="rId3">
+            <a:extLst>
+              <a:ext uri="{28A0092B-C50C-407E-A947-70E740481C1C}">
+                <a14:useLocalDpi xmlns:a14="http://schemas.microsoft.com/office/drawing/2010/main" val="0"/>
+              </a:ext>
+            </a:extLst>
+          </a:blip>
+          <a:stretch>
+            <a:fillRect/>
+          </a:stretch>
+        </p:blipFill>
+        <p:spPr>
+          <a:xfrm>
+            <a:off x="318717" y="4381331"/>
+            <a:ext cx="5306166" cy="1695687"/>
+          </a:xfrm>
+          <a:prstGeom prst="rect">
+            <a:avLst/>
+          </a:prstGeom>
+        </p:spPr>
+      </p:pic>
+      <p:pic>
+        <p:nvPicPr>
+          <p:cNvPr id="5" name="Grafik 4"/>
+          <p:cNvPicPr>
+            <a:picLocks noChangeAspect="1"/>
+          </p:cNvPicPr>
+          <p:nvPr/>
+        </p:nvPicPr>
+        <p:blipFill>
+          <a:blip r:embed="rId4">
+            <a:extLst>
+              <a:ext uri="{28A0092B-C50C-407E-A947-70E740481C1C}">
+                <a14:useLocalDpi xmlns:a14="http://schemas.microsoft.com/office/drawing/2010/main" val="0"/>
+              </a:ext>
+            </a:extLst>
+          </a:blip>
+          <a:stretch>
+            <a:fillRect/>
+          </a:stretch>
+        </p:blipFill>
+        <p:spPr>
+          <a:xfrm>
+            <a:off x="5776479" y="4381331"/>
+            <a:ext cx="6201641" cy="2400635"/>
+          </a:xfrm>
+          <a:prstGeom prst="rect">
+            <a:avLst/>
+          </a:prstGeom>
+        </p:spPr>
+      </p:pic>
     </p:spTree>
     <p:extLst>
       <p:ext uri="{BB962C8B-B14F-4D97-AF65-F5344CB8AC3E}">
-        <p14:creationId xmlns:p14="http://schemas.microsoft.com/office/powerpoint/2010/main" val="1306500468"/>
+        <p14:creationId xmlns:p14="http://schemas.microsoft.com/office/powerpoint/2010/main" val="1899761288"/>
       </p:ext>
     </p:extLst>
   </p:cSld>
@@ -11320,73 +11678,7 @@
       </p:grpSpPr>
       <p:sp>
         <p:nvSpPr>
-          <p:cNvPr id="11" name="Inhaltsplatzhalter 10"/>
-          <p:cNvSpPr>
-            <a:spLocks noGrp="1"/>
-          </p:cNvSpPr>
-          <p:nvPr>
-            <p:ph idx="1"/>
-          </p:nvPr>
-        </p:nvSpPr>
-        <p:spPr/>
-        <p:txBody>
-          <a:bodyPr anchor="ctr">
-            <a:normAutofit/>
-          </a:bodyPr>
-          <a:lstStyle/>
-          <a:p>
-            <a:pPr marL="0" indent="0">
-              <a:buNone/>
-            </a:pPr>
-            <a:r>
-              <a:rPr lang="de-DE" sz="3600" dirty="0" err="1" smtClean="0"/>
-              <a:t>Prism</a:t>
-            </a:r>
-            <a:endParaRPr lang="de-DE" sz="3600" dirty="0" smtClean="0"/>
-          </a:p>
-          <a:p>
-            <a:r>
-              <a:rPr lang="de-DE" dirty="0" smtClean="0"/>
-              <a:t>Entspricht Programmiermodell</a:t>
-            </a:r>
-          </a:p>
-          <a:p>
-            <a:r>
-              <a:rPr lang="de-DE" dirty="0" smtClean="0"/>
-              <a:t>Entkopplung durch Event </a:t>
-            </a:r>
-            <a:r>
-              <a:rPr lang="de-DE" dirty="0" err="1" smtClean="0"/>
-              <a:t>Aggregator</a:t>
-            </a:r>
-            <a:endParaRPr lang="de-DE" dirty="0" smtClean="0"/>
-          </a:p>
-          <a:p>
-            <a:r>
-              <a:rPr lang="de-DE" dirty="0" smtClean="0"/>
-              <a:t>Entkopplung durch </a:t>
-            </a:r>
-            <a:r>
-              <a:rPr lang="de-DE" dirty="0" err="1" smtClean="0"/>
-              <a:t>Regions</a:t>
-            </a:r>
-            <a:endParaRPr lang="de-DE" dirty="0" smtClean="0"/>
-          </a:p>
-          <a:p>
-            <a:r>
-              <a:rPr lang="de-DE" dirty="0" smtClean="0"/>
-              <a:t>Erweiterbarkeit durch Module</a:t>
-            </a:r>
-            <a:endParaRPr lang="de-DE" dirty="0" smtClean="0"/>
-          </a:p>
-          <a:p>
-            <a:endParaRPr lang="de-DE" dirty="0" smtClean="0"/>
-          </a:p>
-        </p:txBody>
-      </p:sp>
-      <p:sp>
-        <p:nvSpPr>
-          <p:cNvPr id="8" name="Titel 7"/>
+          <p:cNvPr id="4" name="Titel 3"/>
           <p:cNvSpPr>
             <a:spLocks noGrp="1"/>
           </p:cNvSpPr>
@@ -11404,13 +11696,32 @@
               <a:t>Ausblick</a:t>
             </a:r>
             <a:endParaRPr lang="de-DE" dirty="0"/>
+          </a:p>
+        </p:txBody>
+      </p:sp>
+      <p:sp>
+        <p:nvSpPr>
+          <p:cNvPr id="2" name="Textplatzhalter 1"/>
+          <p:cNvSpPr>
+            <a:spLocks noGrp="1"/>
+          </p:cNvSpPr>
+          <p:nvPr>
+            <p:ph type="body" sz="quarter" idx="14"/>
+          </p:nvPr>
+        </p:nvSpPr>
+        <p:spPr/>
+        <p:txBody>
+          <a:bodyPr/>
+          <a:lstStyle/>
+          <a:p>
+            <a:endParaRPr lang="de-DE"/>
           </a:p>
         </p:txBody>
       </p:sp>
     </p:spTree>
     <p:extLst>
       <p:ext uri="{BB962C8B-B14F-4D97-AF65-F5344CB8AC3E}">
-        <p14:creationId xmlns:p14="http://schemas.microsoft.com/office/powerpoint/2010/main" val="2903414974"/>
+        <p14:creationId xmlns:p14="http://schemas.microsoft.com/office/powerpoint/2010/main" val="3079040353"/>
       </p:ext>
     </p:extLst>
   </p:cSld>
@@ -11419,12 +11730,12 @@
   </p:clrMapOvr>
   <mc:AlternateContent xmlns:mc="http://schemas.openxmlformats.org/markup-compatibility/2006" xmlns:p14="http://schemas.microsoft.com/office/powerpoint/2010/main">
     <mc:Choice Requires="p14">
-      <p:transition spd="med" p14:dur="700">
-        <p:fade/>
+      <p:transition spd="slow" p14:dur="1200">
+        <p14:prism/>
       </p:transition>
     </mc:Choice>
     <mc:Fallback xmlns="">
-      <p:transition spd="med">
+      <p:transition spd="slow">
         <p:fade/>
       </p:transition>
     </mc:Fallback>
@@ -11477,28 +11788,59 @@
               <a:buNone/>
             </a:pPr>
             <a:r>
-              <a:rPr lang="de-DE" sz="3600" dirty="0" smtClean="0"/>
-              <a:t>Von Forms nach WPF</a:t>
+              <a:rPr lang="de-DE" sz="3600" dirty="0" err="1" smtClean="0"/>
+              <a:t>Cucumber</a:t>
             </a:r>
             <a:endParaRPr lang="de-DE" sz="3600" dirty="0" smtClean="0"/>
           </a:p>
           <a:p>
             <a:r>
               <a:rPr lang="de-DE" dirty="0" smtClean="0"/>
-              <a:t>Vorgehensweise</a:t>
-            </a:r>
-          </a:p>
-          <a:p>
-            <a:r>
-              <a:rPr lang="de-DE" dirty="0" smtClean="0"/>
-              <a:t>Fallstricke</a:t>
-            </a:r>
-            <a:endParaRPr lang="de-DE" dirty="0" smtClean="0"/>
-          </a:p>
-          <a:p>
-            <a:r>
-              <a:rPr lang="de-DE" dirty="0" smtClean="0"/>
-              <a:t>Paralleles Einsetzen beider Frameworks?</a:t>
+              <a:t>User Storys </a:t>
+            </a:r>
+            <a:r>
+              <a:rPr lang="de-DE" dirty="0" smtClean="0">
+                <a:sym typeface="Wingdings" panose="05000000000000000000" pitchFamily="2" charset="2"/>
+              </a:rPr>
+              <a:t></a:t>
+            </a:r>
+            <a:r>
+              <a:rPr lang="de-DE" dirty="0" smtClean="0"/>
+              <a:t> </a:t>
+            </a:r>
+            <a:r>
+              <a:rPr lang="de-DE" dirty="0" err="1" smtClean="0"/>
+              <a:t>Annahmenkatalog</a:t>
+            </a:r>
+            <a:r>
+              <a:rPr lang="de-DE" dirty="0" smtClean="0"/>
+              <a:t>?</a:t>
+            </a:r>
+          </a:p>
+          <a:p>
+            <a:r>
+              <a:rPr lang="de-DE" dirty="0" smtClean="0"/>
+              <a:t>Szenarios in Angebot übernehmen?</a:t>
+            </a:r>
+          </a:p>
+          <a:p>
+            <a:r>
+              <a:rPr lang="de-DE" dirty="0" smtClean="0"/>
+              <a:t>Selbe Storys für Designer und Entwickler?</a:t>
+            </a:r>
+          </a:p>
+          <a:p>
+            <a:r>
+              <a:rPr lang="de-DE" dirty="0" smtClean="0"/>
+              <a:t>Bedienbarkeit selbst </a:t>
+            </a:r>
+            <a:r>
+              <a:rPr lang="de-DE" dirty="0" err="1" smtClean="0"/>
+              <a:t>testbar</a:t>
+            </a:r>
+            <a:r>
+              <a:rPr lang="de-DE" dirty="0"/>
+              <a:t>?</a:t>
             </a:r>
             <a:endParaRPr lang="de-DE" dirty="0" smtClean="0"/>
           </a:p>
@@ -11533,7 +11875,7 @@
     </p:spTree>
     <p:extLst>
       <p:ext uri="{BB962C8B-B14F-4D97-AF65-F5344CB8AC3E}">
-        <p14:creationId xmlns:p14="http://schemas.microsoft.com/office/powerpoint/2010/main" val="672763486"/>
+        <p14:creationId xmlns:p14="http://schemas.microsoft.com/office/powerpoint/2010/main" val="1306500468"/>
       </p:ext>
     </p:extLst>
   </p:cSld>
@@ -11600,43 +11942,44 @@
               <a:buNone/>
             </a:pPr>
             <a:r>
-              <a:rPr lang="de-DE" sz="3600" dirty="0" smtClean="0"/>
-              <a:t>Design Patterns</a:t>
+              <a:rPr lang="de-DE" sz="3600" dirty="0" err="1" smtClean="0"/>
+              <a:t>Prism</a:t>
             </a:r>
             <a:endParaRPr lang="de-DE" sz="3600" dirty="0" smtClean="0"/>
           </a:p>
           <a:p>
             <a:r>
               <a:rPr lang="de-DE" dirty="0" smtClean="0"/>
-              <a:t>Katalog der Gang </a:t>
+              <a:t>Entspricht Programmiermodell</a:t>
+            </a:r>
+          </a:p>
+          <a:p>
+            <a:r>
+              <a:rPr lang="de-DE" dirty="0" smtClean="0"/>
+              <a:t>Entkopplung durch Event </a:t>
             </a:r>
             <a:r>
               <a:rPr lang="de-DE" dirty="0" err="1" smtClean="0"/>
-              <a:t>of</a:t>
-            </a:r>
-            <a:r>
-              <a:rPr lang="de-DE" dirty="0" smtClean="0"/>
-              <a:t> </a:t>
+              <a:t>Aggregator</a:t>
+            </a:r>
+            <a:endParaRPr lang="de-DE" dirty="0" smtClean="0"/>
+          </a:p>
+          <a:p>
+            <a:r>
+              <a:rPr lang="de-DE" dirty="0" smtClean="0"/>
+              <a:t>Entkopplung durch </a:t>
             </a:r>
             <a:r>
               <a:rPr lang="de-DE" dirty="0" err="1" smtClean="0"/>
-              <a:t>Four</a:t>
+              <a:t>Regions</a:t>
             </a:r>
             <a:endParaRPr lang="de-DE" dirty="0" smtClean="0"/>
           </a:p>
           <a:p>
             <a:r>
               <a:rPr lang="de-DE" dirty="0" smtClean="0"/>
-              <a:t>Umbau der bestehenden Software</a:t>
-            </a:r>
-            <a:endParaRPr lang="de-DE" dirty="0" smtClean="0"/>
-          </a:p>
-          <a:p>
-            <a:r>
-              <a:rPr lang="de-DE" dirty="0" smtClean="0"/>
-              <a:t>Code-Katas zum Einüben der Mustererkennung</a:t>
-            </a:r>
-            <a:endParaRPr lang="de-DE" dirty="0" smtClean="0"/>
+              <a:t>Erweiterbarkeit durch Module</a:t>
+            </a:r>
           </a:p>
           <a:p>
             <a:endParaRPr lang="de-DE" dirty="0" smtClean="0"/>
@@ -11669,7 +12012,7 @@
     </p:spTree>
     <p:extLst>
       <p:ext uri="{BB962C8B-B14F-4D97-AF65-F5344CB8AC3E}">
-        <p14:creationId xmlns:p14="http://schemas.microsoft.com/office/powerpoint/2010/main" val="2380167854"/>
+        <p14:creationId xmlns:p14="http://schemas.microsoft.com/office/powerpoint/2010/main" val="2903414974"/>
       </p:ext>
     </p:extLst>
   </p:cSld>
@@ -11717,6 +12060,274 @@
       </p:grpSpPr>
       <p:sp>
         <p:nvSpPr>
+          <p:cNvPr id="11" name="Inhaltsplatzhalter 10"/>
+          <p:cNvSpPr>
+            <a:spLocks noGrp="1"/>
+          </p:cNvSpPr>
+          <p:nvPr>
+            <p:ph idx="1"/>
+          </p:nvPr>
+        </p:nvSpPr>
+        <p:spPr/>
+        <p:txBody>
+          <a:bodyPr anchor="ctr">
+            <a:normAutofit/>
+          </a:bodyPr>
+          <a:lstStyle/>
+          <a:p>
+            <a:pPr marL="0" indent="0">
+              <a:buNone/>
+            </a:pPr>
+            <a:r>
+              <a:rPr lang="de-DE" sz="3600" dirty="0" smtClean="0"/>
+              <a:t>Von Forms nach WPF</a:t>
+            </a:r>
+          </a:p>
+          <a:p>
+            <a:r>
+              <a:rPr lang="de-DE" dirty="0" smtClean="0"/>
+              <a:t>Vorgehensweise</a:t>
+            </a:r>
+          </a:p>
+          <a:p>
+            <a:r>
+              <a:rPr lang="de-DE" dirty="0" smtClean="0"/>
+              <a:t>Fallstricke</a:t>
+            </a:r>
+          </a:p>
+          <a:p>
+            <a:r>
+              <a:rPr lang="de-DE" dirty="0" smtClean="0"/>
+              <a:t>Paralleles Einsetzen beider Frameworks</a:t>
+            </a:r>
+            <a:r>
+              <a:rPr lang="de-DE" dirty="0" smtClean="0"/>
+              <a:t>?</a:t>
+            </a:r>
+          </a:p>
+          <a:p>
+            <a:r>
+              <a:rPr lang="en-US" dirty="0" smtClean="0"/>
+              <a:t>Refactoring der DB-</a:t>
+            </a:r>
+            <a:r>
+              <a:rPr lang="en-US" dirty="0" err="1" smtClean="0"/>
+              <a:t>Zugriffe</a:t>
+            </a:r>
+            <a:endParaRPr lang="de-DE" dirty="0" smtClean="0"/>
+          </a:p>
+          <a:p>
+            <a:endParaRPr lang="de-DE" dirty="0" smtClean="0"/>
+          </a:p>
+        </p:txBody>
+      </p:sp>
+      <p:sp>
+        <p:nvSpPr>
+          <p:cNvPr id="8" name="Titel 7"/>
+          <p:cNvSpPr>
+            <a:spLocks noGrp="1"/>
+          </p:cNvSpPr>
+          <p:nvPr>
+            <p:ph type="title"/>
+          </p:nvPr>
+        </p:nvSpPr>
+        <p:spPr/>
+        <p:txBody>
+          <a:bodyPr/>
+          <a:lstStyle/>
+          <a:p>
+            <a:r>
+              <a:rPr lang="de-DE" dirty="0" smtClean="0"/>
+              <a:t>Ausblick</a:t>
+            </a:r>
+            <a:endParaRPr lang="de-DE" dirty="0"/>
+          </a:p>
+        </p:txBody>
+      </p:sp>
+    </p:spTree>
+    <p:extLst>
+      <p:ext uri="{BB962C8B-B14F-4D97-AF65-F5344CB8AC3E}">
+        <p14:creationId xmlns:p14="http://schemas.microsoft.com/office/powerpoint/2010/main" val="672763486"/>
+      </p:ext>
+    </p:extLst>
+  </p:cSld>
+  <p:clrMapOvr>
+    <a:masterClrMapping/>
+  </p:clrMapOvr>
+  <mc:AlternateContent xmlns:mc="http://schemas.openxmlformats.org/markup-compatibility/2006" xmlns:p14="http://schemas.microsoft.com/office/powerpoint/2010/main">
+    <mc:Choice Requires="p14">
+      <p:transition spd="med" p14:dur="700">
+        <p:fade/>
+      </p:transition>
+    </mc:Choice>
+    <mc:Fallback xmlns="">
+      <p:transition spd="med">
+        <p:fade/>
+      </p:transition>
+    </mc:Fallback>
+  </mc:AlternateContent>
+  <p:timing>
+    <p:tnLst>
+      <p:par>
+        <p:cTn id="1" dur="indefinite" restart="never" nodeType="tmRoot"/>
+      </p:par>
+    </p:tnLst>
+  </p:timing>
+</p:sld>
+</file>
+
+<file path=ppt/slides/slide34.xml><?xml version="1.0" encoding="utf-8"?>
+<p:sld xmlns:a="http://schemas.openxmlformats.org/drawingml/2006/main" xmlns:r="http://schemas.openxmlformats.org/officeDocument/2006/relationships" xmlns:p="http://schemas.openxmlformats.org/presentationml/2006/main">
+  <p:cSld>
+    <p:spTree>
+      <p:nvGrpSpPr>
+        <p:cNvPr id="1" name=""/>
+        <p:cNvGrpSpPr/>
+        <p:nvPr/>
+      </p:nvGrpSpPr>
+      <p:grpSpPr>
+        <a:xfrm>
+          <a:off x="0" y="0"/>
+          <a:ext cx="0" cy="0"/>
+          <a:chOff x="0" y="0"/>
+          <a:chExt cx="0" cy="0"/>
+        </a:xfrm>
+      </p:grpSpPr>
+      <p:sp>
+        <p:nvSpPr>
+          <p:cNvPr id="11" name="Inhaltsplatzhalter 10"/>
+          <p:cNvSpPr>
+            <a:spLocks noGrp="1"/>
+          </p:cNvSpPr>
+          <p:nvPr>
+            <p:ph idx="1"/>
+          </p:nvPr>
+        </p:nvSpPr>
+        <p:spPr/>
+        <p:txBody>
+          <a:bodyPr anchor="ctr">
+            <a:normAutofit/>
+          </a:bodyPr>
+          <a:lstStyle/>
+          <a:p>
+            <a:pPr marL="0" indent="0">
+              <a:buNone/>
+            </a:pPr>
+            <a:r>
+              <a:rPr lang="de-DE" sz="3600" dirty="0" smtClean="0"/>
+              <a:t>Design Patterns</a:t>
+            </a:r>
+          </a:p>
+          <a:p>
+            <a:r>
+              <a:rPr lang="de-DE" dirty="0" smtClean="0"/>
+              <a:t>Katalog der Gang </a:t>
+            </a:r>
+            <a:r>
+              <a:rPr lang="de-DE" dirty="0" err="1" smtClean="0"/>
+              <a:t>of</a:t>
+            </a:r>
+            <a:r>
+              <a:rPr lang="de-DE" dirty="0" smtClean="0"/>
+              <a:t> </a:t>
+            </a:r>
+            <a:r>
+              <a:rPr lang="de-DE" dirty="0" err="1" smtClean="0"/>
+              <a:t>Four</a:t>
+            </a:r>
+            <a:endParaRPr lang="de-DE" dirty="0" smtClean="0"/>
+          </a:p>
+          <a:p>
+            <a:r>
+              <a:rPr lang="de-DE" dirty="0" smtClean="0"/>
+              <a:t>Umbau der bestehenden Software</a:t>
+            </a:r>
+          </a:p>
+          <a:p>
+            <a:r>
+              <a:rPr lang="de-DE" dirty="0" smtClean="0"/>
+              <a:t>Code-Katas zum Einüben der Mustererkennung</a:t>
+            </a:r>
+          </a:p>
+          <a:p>
+            <a:endParaRPr lang="de-DE" dirty="0" smtClean="0"/>
+          </a:p>
+        </p:txBody>
+      </p:sp>
+      <p:sp>
+        <p:nvSpPr>
+          <p:cNvPr id="8" name="Titel 7"/>
+          <p:cNvSpPr>
+            <a:spLocks noGrp="1"/>
+          </p:cNvSpPr>
+          <p:nvPr>
+            <p:ph type="title"/>
+          </p:nvPr>
+        </p:nvSpPr>
+        <p:spPr/>
+        <p:txBody>
+          <a:bodyPr/>
+          <a:lstStyle/>
+          <a:p>
+            <a:r>
+              <a:rPr lang="de-DE" dirty="0" smtClean="0"/>
+              <a:t>Ausblick</a:t>
+            </a:r>
+            <a:endParaRPr lang="de-DE" dirty="0"/>
+          </a:p>
+        </p:txBody>
+      </p:sp>
+    </p:spTree>
+    <p:extLst>
+      <p:ext uri="{BB962C8B-B14F-4D97-AF65-F5344CB8AC3E}">
+        <p14:creationId xmlns:p14="http://schemas.microsoft.com/office/powerpoint/2010/main" val="2380167854"/>
+      </p:ext>
+    </p:extLst>
+  </p:cSld>
+  <p:clrMapOvr>
+    <a:masterClrMapping/>
+  </p:clrMapOvr>
+  <mc:AlternateContent xmlns:mc="http://schemas.openxmlformats.org/markup-compatibility/2006" xmlns:p14="http://schemas.microsoft.com/office/powerpoint/2010/main">
+    <mc:Choice Requires="p14">
+      <p:transition spd="med" p14:dur="700">
+        <p:fade/>
+      </p:transition>
+    </mc:Choice>
+    <mc:Fallback xmlns="">
+      <p:transition spd="med">
+        <p:fade/>
+      </p:transition>
+    </mc:Fallback>
+  </mc:AlternateContent>
+  <p:timing>
+    <p:tnLst>
+      <p:par>
+        <p:cTn id="1" dur="indefinite" restart="never" nodeType="tmRoot"/>
+      </p:par>
+    </p:tnLst>
+  </p:timing>
+</p:sld>
+</file>
+
+<file path=ppt/slides/slide35.xml><?xml version="1.0" encoding="utf-8"?>
+<p:sld xmlns:a="http://schemas.openxmlformats.org/drawingml/2006/main" xmlns:r="http://schemas.openxmlformats.org/officeDocument/2006/relationships" xmlns:p="http://schemas.openxmlformats.org/presentationml/2006/main">
+  <p:cSld>
+    <p:spTree>
+      <p:nvGrpSpPr>
+        <p:cNvPr id="1" name=""/>
+        <p:cNvGrpSpPr/>
+        <p:nvPr/>
+      </p:nvGrpSpPr>
+      <p:grpSpPr>
+        <a:xfrm>
+          <a:off x="0" y="0"/>
+          <a:ext cx="0" cy="0"/>
+          <a:chOff x="0" y="0"/>
+          <a:chExt cx="0" cy="0"/>
+        </a:xfrm>
+      </p:grpSpPr>
+      <p:sp>
+        <p:nvSpPr>
           <p:cNvPr id="4" name="Titel 3"/>
           <p:cNvSpPr>
             <a:spLocks noGrp="1"/>
@@ -11789,7 +12400,7 @@
 </p:sld>
 </file>
 
-<file path=ppt/slides/slide34.xml><?xml version="1.0" encoding="utf-8"?>
+<file path=ppt/slides/slide36.xml><?xml version="1.0" encoding="utf-8"?>
 <p:sld xmlns:a="http://schemas.openxmlformats.org/drawingml/2006/main" xmlns:r="http://schemas.openxmlformats.org/officeDocument/2006/relationships" xmlns:p="http://schemas.openxmlformats.org/presentationml/2006/main">
   <p:cSld>
     <p:spTree>
@@ -12593,36 +13204,6 @@
           </a:p>
         </p:txBody>
       </p:sp>
-      <p:pic>
-        <p:nvPicPr>
-          <p:cNvPr id="2" name="Grafik 1"/>
-          <p:cNvPicPr>
-            <a:picLocks noChangeAspect="1"/>
-          </p:cNvPicPr>
-          <p:nvPr/>
-        </p:nvPicPr>
-        <p:blipFill>
-          <a:blip r:embed="rId3">
-            <a:extLst>
-              <a:ext uri="{28A0092B-C50C-407E-A947-70E740481C1C}">
-                <a14:useLocalDpi xmlns:a14="http://schemas.microsoft.com/office/drawing/2010/main" val="0"/>
-              </a:ext>
-            </a:extLst>
-          </a:blip>
-          <a:stretch>
-            <a:fillRect/>
-          </a:stretch>
-        </p:blipFill>
-        <p:spPr>
-          <a:xfrm>
-            <a:off x="4914400" y="933449"/>
-            <a:ext cx="7163800" cy="5782133"/>
-          </a:xfrm>
-          <a:prstGeom prst="rect">
-            <a:avLst/>
-          </a:prstGeom>
-        </p:spPr>
-      </p:pic>
       <p:sp>
         <p:nvSpPr>
           <p:cNvPr id="6" name="Titel 1"/>
@@ -12680,6 +13261,36 @@
           </a:p>
         </p:txBody>
       </p:sp>
+      <p:pic>
+        <p:nvPicPr>
+          <p:cNvPr id="4" name="Grafik 3"/>
+          <p:cNvPicPr>
+            <a:picLocks noChangeAspect="1"/>
+          </p:cNvPicPr>
+          <p:nvPr/>
+        </p:nvPicPr>
+        <p:blipFill>
+          <a:blip r:embed="rId3">
+            <a:extLst>
+              <a:ext uri="{28A0092B-C50C-407E-A947-70E740481C1C}">
+                <a14:useLocalDpi xmlns:a14="http://schemas.microsoft.com/office/drawing/2010/main" val="0"/>
+              </a:ext>
+            </a:extLst>
+          </a:blip>
+          <a:stretch>
+            <a:fillRect/>
+          </a:stretch>
+        </p:blipFill>
+        <p:spPr>
+          <a:xfrm>
+            <a:off x="4538141" y="962024"/>
+            <a:ext cx="7459117" cy="5687219"/>
+          </a:xfrm>
+          <a:prstGeom prst="rect">
+            <a:avLst/>
+          </a:prstGeom>
+        </p:spPr>
+      </p:pic>
     </p:spTree>
     <p:extLst>
       <p:ext uri="{BB962C8B-B14F-4D97-AF65-F5344CB8AC3E}">
@@ -13015,7 +13626,7 @@
   <a:extraClrSchemeLst/>
   <a:extLst>
     <a:ext uri="{05A4C25C-085E-4340-85A3-A5531E510DB2}">
-      <thm15:themeFamily xmlns="" xmlns:thm15="http://schemas.microsoft.com/office/thememl/2012/main" name="SEBASTIAN" id="{F92314A9-6073-451E-952E-FFD992C85D32}" vid="{BB8A925E-23EF-4B0E-AF10-95C6F4E29B12}"/>
+      <thm15:themeFamily xmlns:thm15="http://schemas.microsoft.com/office/thememl/2012/main" xmlns="" name="SEBASTIAN" id="{F92314A9-6073-451E-952E-FFD992C85D32}" vid="{BB8A925E-23EF-4B0E-AF10-95C6F4E29B12}"/>
     </a:ext>
   </a:extLst>
 </a:theme>
@@ -13561,7 +14172,7 @@
   <a:extraClrSchemeLst/>
   <a:extLst>
     <a:ext uri="{05A4C25C-085E-4340-85A3-A5531E510DB2}">
-      <thm15:themeFamily xmlns="" xmlns:thm15="http://schemas.microsoft.com/office/thememl/2012/main" name="Office Theme" id="{62F939B6-93AF-4DB8-9C6B-D6C7DFDC589F}" vid="{4A3C46E8-61CC-4603-A589-7422A47A8E4A}"/>
+      <thm15:themeFamily xmlns:thm15="http://schemas.microsoft.com/office/thememl/2012/main" xmlns="" name="Office Theme" id="{62F939B6-93AF-4DB8-9C6B-D6C7DFDC589F}" vid="{4A3C46E8-61CC-4603-A589-7422A47A8E4A}"/>
     </a:ext>
   </a:extLst>
 </a:theme>
